--- a/Teste funcional.pptx
+++ b/Teste funcional.pptx
@@ -272,7 +272,7 @@
           <a:p>
             <a:fld id="{C43A76A3-ADC8-4477-8FC1-B9DD55D84908}" type="datetime1">
               <a:rPr lang="en-US" smtClean="0"/>
-              <a:t>10/26/2025</a:t>
+              <a:t>10/27/2025</a:t>
             </a:fld>
             <a:endParaRPr lang="en-US" dirty="0"/>
           </a:p>
@@ -470,7 +470,7 @@
           <a:p>
             <a:fld id="{D6762538-DC4D-4667-96E5-B3278DDF8B12}" type="datetime1">
               <a:rPr lang="en-US" smtClean="0"/>
-              <a:t>10/26/2025</a:t>
+              <a:t>10/27/2025</a:t>
             </a:fld>
             <a:endParaRPr lang="en-US"/>
           </a:p>
@@ -678,7 +678,7 @@
           <a:p>
             <a:fld id="{05880548-5C08-4BE3-B63E-F2BB63B0B00C}" type="datetime1">
               <a:rPr lang="en-US" smtClean="0"/>
-              <a:t>10/26/2025</a:t>
+              <a:t>10/27/2025</a:t>
             </a:fld>
             <a:endParaRPr lang="en-US"/>
           </a:p>
@@ -876,7 +876,7 @@
           <a:p>
             <a:fld id="{DE7F49BE-398D-479A-8A7E-5DDBCA61EDCB}" type="datetime1">
               <a:rPr lang="en-US" smtClean="0"/>
-              <a:t>10/26/2025</a:t>
+              <a:t>10/27/2025</a:t>
             </a:fld>
             <a:endParaRPr lang="en-US"/>
           </a:p>
@@ -1152,7 +1152,7 @@
           <a:p>
             <a:fld id="{CCD0C193-4974-4A1F-9C63-07D595E30D66}" type="datetime1">
               <a:rPr lang="en-US" smtClean="0"/>
-              <a:t>10/26/2025</a:t>
+              <a:t>10/27/2025</a:t>
             </a:fld>
             <a:endParaRPr lang="en-US"/>
           </a:p>
@@ -1419,7 +1419,7 @@
           <a:p>
             <a:fld id="{701AA87F-28D4-4BF0-B81F-877A89DFD5AC}" type="datetime1">
               <a:rPr lang="en-US" smtClean="0"/>
-              <a:t>10/26/2025</a:t>
+              <a:t>10/27/2025</a:t>
             </a:fld>
             <a:endParaRPr lang="en-US"/>
           </a:p>
@@ -1833,7 +1833,7 @@
           <a:p>
             <a:fld id="{A8A9F1F3-208B-49A3-B337-9C8ACEB3E0E1}" type="datetime1">
               <a:rPr lang="en-US" smtClean="0"/>
-              <a:t>10/26/2025</a:t>
+              <a:t>10/27/2025</a:t>
             </a:fld>
             <a:endParaRPr lang="en-US"/>
           </a:p>
@@ -1980,7 +1980,7 @@
           <a:p>
             <a:fld id="{27AF6CA6-7293-4AA2-A0E0-A3BF4416E786}" type="datetime1">
               <a:rPr lang="en-US" smtClean="0"/>
-              <a:t>10/26/2025</a:t>
+              <a:t>10/27/2025</a:t>
             </a:fld>
             <a:endParaRPr lang="en-US"/>
           </a:p>
@@ -2093,7 +2093,7 @@
           <a:p>
             <a:fld id="{98D87016-7BCD-46FB-8EE3-AB6C369108B4}" type="datetime1">
               <a:rPr lang="en-US" smtClean="0"/>
-              <a:t>10/26/2025</a:t>
+              <a:t>10/27/2025</a:t>
             </a:fld>
             <a:endParaRPr lang="en-US"/>
           </a:p>
@@ -2412,7 +2412,7 @@
           <a:p>
             <a:fld id="{A1547011-1FFC-4EF8-9A2E-53B4AD2ADBD4}" type="datetime1">
               <a:rPr lang="en-US" smtClean="0"/>
-              <a:t>10/26/2025</a:t>
+              <a:t>10/27/2025</a:t>
             </a:fld>
             <a:endParaRPr lang="en-US"/>
           </a:p>
@@ -2707,7 +2707,7 @@
           <a:p>
             <a:fld id="{9562EB47-45B4-4EF5-A743-B4885DD2F060}" type="datetime1">
               <a:rPr lang="en-US" smtClean="0"/>
-              <a:t>10/26/2025</a:t>
+              <a:t>10/27/2025</a:t>
             </a:fld>
             <a:endParaRPr lang="en-US"/>
           </a:p>
@@ -4092,7 +4092,7 @@
           <a:p>
             <a:fld id="{4A8D24A4-5FEC-4062-8995-EB21925B3B40}" type="datetime1">
               <a:rPr lang="en-US" smtClean="0"/>
-              <a:t>10/26/2025</a:t>
+              <a:t>10/27/2025</a:t>
             </a:fld>
             <a:endParaRPr lang="en-US" sz="1000" dirty="0"/>
           </a:p>
@@ -6284,722 +6284,63 @@
           </a:bodyPr>
           <a:lstStyle/>
           <a:p>
-            <a:endParaRPr lang="de-DE" dirty="0"/>
-          </a:p>
-          <a:p>
-            <a:r>
-              <a:rPr lang="de-DE" dirty="0">
+            <a:r>
+              <a:rPr lang="pt-BR" dirty="0">
                 <a:solidFill>
-                  <a:srgbClr val="FFFFFF"/>
+                  <a:schemeClr val="bg1"/>
                 </a:solidFill>
-                <a:ea typeface="+mn-lt"/>
-                <a:cs typeface="+mn-lt"/>
               </a:rPr>
-              <a:t>Os </a:t>
-            </a:r>
-            <a:r>
-              <a:rPr lang="de-DE" dirty="0" err="1">
+              <a:t>Os testes funcionais verificam se o software funciona conforme o esperado.</a:t>
+            </a:r>
+            <a:br>
+              <a:rPr lang="pt-BR" dirty="0">
                 <a:solidFill>
-                  <a:srgbClr val="FFFFFF"/>
+                  <a:schemeClr val="bg1"/>
                 </a:solidFill>
-                <a:ea typeface="+mn-lt"/>
-                <a:cs typeface="+mn-lt"/>
               </a:rPr>
-              <a:t>testes</a:t>
-            </a:r>
-            <a:r>
-              <a:rPr lang="de-DE" dirty="0">
+            </a:br>
+            <a:r>
+              <a:rPr lang="pt-BR" dirty="0">
                 <a:solidFill>
-                  <a:srgbClr val="FFFFFF"/>
+                  <a:schemeClr val="bg1"/>
                 </a:solidFill>
-                <a:ea typeface="+mn-lt"/>
-                <a:cs typeface="+mn-lt"/>
               </a:rPr>
-              <a:t> </a:t>
-            </a:r>
-            <a:r>
-              <a:rPr lang="de-DE" dirty="0" err="1">
+              <a:t>Eles focam nos resultados, não no processo interno do sistema.</a:t>
+            </a:r>
+            <a:br>
+              <a:rPr lang="pt-BR" dirty="0">
                 <a:solidFill>
-                  <a:srgbClr val="FFFFFF"/>
+                  <a:schemeClr val="bg1"/>
                 </a:solidFill>
-                <a:ea typeface="+mn-lt"/>
-                <a:cs typeface="+mn-lt"/>
               </a:rPr>
-              <a:t>funcionais</a:t>
-            </a:r>
-            <a:r>
-              <a:rPr lang="de-DE" dirty="0">
+            </a:br>
+            <a:r>
+              <a:rPr lang="pt-BR" dirty="0">
                 <a:solidFill>
-                  <a:srgbClr val="FFFFFF"/>
+                  <a:schemeClr val="bg1"/>
                 </a:solidFill>
-                <a:ea typeface="+mn-lt"/>
-                <a:cs typeface="+mn-lt"/>
               </a:rPr>
-              <a:t> </a:t>
-            </a:r>
-            <a:r>
-              <a:rPr lang="de-DE" dirty="0" err="1">
+              <a:t>Avaliam se há erros ou falhas no funcionamento da aplicação.</a:t>
+            </a:r>
+            <a:br>
+              <a:rPr lang="pt-BR" dirty="0">
                 <a:solidFill>
-                  <a:srgbClr val="FFFFFF"/>
+                  <a:schemeClr val="bg1"/>
                 </a:solidFill>
-                <a:ea typeface="+mn-lt"/>
-                <a:cs typeface="+mn-lt"/>
               </a:rPr>
-              <a:t>em</a:t>
-            </a:r>
-            <a:r>
-              <a:rPr lang="de-DE" dirty="0">
+            </a:br>
+            <a:r>
+              <a:rPr lang="pt-BR" dirty="0">
                 <a:solidFill>
-                  <a:srgbClr val="FFFFFF"/>
+                  <a:schemeClr val="bg1"/>
                 </a:solidFill>
-                <a:ea typeface="+mn-lt"/>
-                <a:cs typeface="+mn-lt"/>
               </a:rPr>
-              <a:t> </a:t>
-            </a:r>
-            <a:r>
-              <a:rPr lang="de-DE" dirty="0" err="1">
-                <a:solidFill>
-                  <a:srgbClr val="FFFFFF"/>
-                </a:solidFill>
-                <a:ea typeface="+mn-lt"/>
-                <a:cs typeface="+mn-lt"/>
-              </a:rPr>
-              <a:t>testes</a:t>
-            </a:r>
-            <a:r>
-              <a:rPr lang="de-DE" dirty="0">
-                <a:solidFill>
-                  <a:srgbClr val="FFFFFF"/>
-                </a:solidFill>
-                <a:ea typeface="+mn-lt"/>
-                <a:cs typeface="+mn-lt"/>
-              </a:rPr>
-              <a:t> de </a:t>
-            </a:r>
-            <a:r>
-              <a:rPr lang="de-DE" dirty="0" err="1">
-                <a:solidFill>
-                  <a:srgbClr val="FFFFFF"/>
-                </a:solidFill>
-                <a:ea typeface="+mn-lt"/>
-                <a:cs typeface="+mn-lt"/>
-              </a:rPr>
-              <a:t>software</a:t>
-            </a:r>
-            <a:r>
-              <a:rPr lang="de-DE" dirty="0">
-                <a:solidFill>
-                  <a:srgbClr val="FFFFFF"/>
-                </a:solidFill>
-                <a:ea typeface="+mn-lt"/>
-                <a:cs typeface="+mn-lt"/>
-              </a:rPr>
-              <a:t> </a:t>
-            </a:r>
-            <a:r>
-              <a:rPr lang="de-DE" dirty="0" err="1">
-                <a:solidFill>
-                  <a:srgbClr val="FFFFFF"/>
-                </a:solidFill>
-                <a:ea typeface="+mn-lt"/>
-                <a:cs typeface="+mn-lt"/>
-              </a:rPr>
-              <a:t>são</a:t>
-            </a:r>
-            <a:r>
-              <a:rPr lang="de-DE" dirty="0">
-                <a:solidFill>
-                  <a:srgbClr val="FFFFFF"/>
-                </a:solidFill>
-                <a:ea typeface="+mn-lt"/>
-                <a:cs typeface="+mn-lt"/>
-              </a:rPr>
-              <a:t> </a:t>
-            </a:r>
-            <a:r>
-              <a:rPr lang="de-DE" dirty="0" err="1">
-                <a:solidFill>
-                  <a:srgbClr val="FFFFFF"/>
-                </a:solidFill>
-                <a:ea typeface="+mn-lt"/>
-                <a:cs typeface="+mn-lt"/>
-              </a:rPr>
-              <a:t>uma</a:t>
-            </a:r>
-            <a:r>
-              <a:rPr lang="de-DE" dirty="0">
-                <a:solidFill>
-                  <a:srgbClr val="FFFFFF"/>
-                </a:solidFill>
-                <a:ea typeface="+mn-lt"/>
-                <a:cs typeface="+mn-lt"/>
-              </a:rPr>
-              <a:t> forma de </a:t>
-            </a:r>
-            <a:r>
-              <a:rPr lang="de-DE" dirty="0" err="1">
-                <a:solidFill>
-                  <a:srgbClr val="FFFFFF"/>
-                </a:solidFill>
-                <a:ea typeface="+mn-lt"/>
-                <a:cs typeface="+mn-lt"/>
-              </a:rPr>
-              <a:t>determinar</a:t>
-            </a:r>
-            <a:r>
-              <a:rPr lang="de-DE" dirty="0">
-                <a:solidFill>
-                  <a:srgbClr val="FFFFFF"/>
-                </a:solidFill>
-                <a:ea typeface="+mn-lt"/>
-                <a:cs typeface="+mn-lt"/>
-              </a:rPr>
-              <a:t> se o </a:t>
-            </a:r>
-            <a:r>
-              <a:rPr lang="de-DE" dirty="0" err="1">
-                <a:solidFill>
-                  <a:srgbClr val="FFFFFF"/>
-                </a:solidFill>
-                <a:ea typeface="+mn-lt"/>
-                <a:cs typeface="+mn-lt"/>
-              </a:rPr>
-              <a:t>software</a:t>
-            </a:r>
-            <a:r>
-              <a:rPr lang="de-DE" dirty="0">
-                <a:solidFill>
-                  <a:srgbClr val="FFFFFF"/>
-                </a:solidFill>
-                <a:ea typeface="+mn-lt"/>
-                <a:cs typeface="+mn-lt"/>
-              </a:rPr>
-              <a:t> </a:t>
-            </a:r>
-            <a:r>
-              <a:rPr lang="de-DE" dirty="0" err="1">
-                <a:solidFill>
-                  <a:srgbClr val="FFFFFF"/>
-                </a:solidFill>
-                <a:ea typeface="+mn-lt"/>
-                <a:cs typeface="+mn-lt"/>
-              </a:rPr>
-              <a:t>ou</a:t>
-            </a:r>
-            <a:r>
-              <a:rPr lang="de-DE" dirty="0">
-                <a:solidFill>
-                  <a:srgbClr val="FFFFFF"/>
-                </a:solidFill>
-                <a:ea typeface="+mn-lt"/>
-                <a:cs typeface="+mn-lt"/>
-              </a:rPr>
-              <a:t> </a:t>
-            </a:r>
-            <a:r>
-              <a:rPr lang="de-DE" dirty="0" err="1">
-                <a:solidFill>
-                  <a:srgbClr val="FFFFFF"/>
-                </a:solidFill>
-                <a:ea typeface="+mn-lt"/>
-                <a:cs typeface="+mn-lt"/>
-              </a:rPr>
-              <a:t>uma</a:t>
-            </a:r>
-            <a:r>
-              <a:rPr lang="de-DE" dirty="0">
-                <a:solidFill>
-                  <a:srgbClr val="FFFFFF"/>
-                </a:solidFill>
-                <a:ea typeface="+mn-lt"/>
-                <a:cs typeface="+mn-lt"/>
-              </a:rPr>
-              <a:t> </a:t>
-            </a:r>
-            <a:r>
-              <a:rPr lang="de-DE" dirty="0" err="1">
-                <a:solidFill>
-                  <a:srgbClr val="FFFFFF"/>
-                </a:solidFill>
-                <a:ea typeface="+mn-lt"/>
-                <a:cs typeface="+mn-lt"/>
-              </a:rPr>
-              <a:t>aplicação</a:t>
-            </a:r>
-            <a:r>
-              <a:rPr lang="de-DE" dirty="0">
-                <a:solidFill>
-                  <a:srgbClr val="FFFFFF"/>
-                </a:solidFill>
-                <a:ea typeface="+mn-lt"/>
-                <a:cs typeface="+mn-lt"/>
-              </a:rPr>
-              <a:t> </a:t>
-            </a:r>
-            <a:r>
-              <a:rPr lang="de-DE" dirty="0" err="1">
-                <a:solidFill>
-                  <a:srgbClr val="FFFFFF"/>
-                </a:solidFill>
-                <a:ea typeface="+mn-lt"/>
-                <a:cs typeface="+mn-lt"/>
-              </a:rPr>
-              <a:t>funciona</a:t>
-            </a:r>
-            <a:r>
-              <a:rPr lang="de-DE" dirty="0">
-                <a:solidFill>
-                  <a:srgbClr val="FFFFFF"/>
-                </a:solidFill>
-                <a:ea typeface="+mn-lt"/>
-                <a:cs typeface="+mn-lt"/>
-              </a:rPr>
-              <a:t> </a:t>
-            </a:r>
-            <a:r>
-              <a:rPr lang="de-DE" dirty="0" err="1">
-                <a:solidFill>
-                  <a:srgbClr val="FFFFFF"/>
-                </a:solidFill>
-                <a:ea typeface="+mn-lt"/>
-                <a:cs typeface="+mn-lt"/>
-              </a:rPr>
-              <a:t>como</a:t>
-            </a:r>
-            <a:r>
-              <a:rPr lang="de-DE" dirty="0">
-                <a:solidFill>
-                  <a:srgbClr val="FFFFFF"/>
-                </a:solidFill>
-                <a:ea typeface="+mn-lt"/>
-                <a:cs typeface="+mn-lt"/>
-              </a:rPr>
-              <a:t> </a:t>
-            </a:r>
-            <a:r>
-              <a:rPr lang="de-DE" dirty="0" err="1">
-                <a:solidFill>
-                  <a:srgbClr val="FFFFFF"/>
-                </a:solidFill>
-                <a:ea typeface="+mn-lt"/>
-                <a:cs typeface="+mn-lt"/>
-              </a:rPr>
-              <a:t>esperado</a:t>
-            </a:r>
-            <a:r>
-              <a:rPr lang="de-DE" dirty="0">
-                <a:solidFill>
-                  <a:srgbClr val="FFFFFF"/>
-                </a:solidFill>
-                <a:ea typeface="+mn-lt"/>
-                <a:cs typeface="+mn-lt"/>
-              </a:rPr>
-              <a:t>. Os </a:t>
-            </a:r>
-            <a:r>
-              <a:rPr lang="de-DE" dirty="0" err="1">
-                <a:solidFill>
-                  <a:srgbClr val="FFFFFF"/>
-                </a:solidFill>
-                <a:ea typeface="+mn-lt"/>
-                <a:cs typeface="+mn-lt"/>
-              </a:rPr>
-              <a:t>testes</a:t>
-            </a:r>
-            <a:r>
-              <a:rPr lang="de-DE" dirty="0">
-                <a:solidFill>
-                  <a:srgbClr val="FFFFFF"/>
-                </a:solidFill>
-                <a:ea typeface="+mn-lt"/>
-                <a:cs typeface="+mn-lt"/>
-              </a:rPr>
-              <a:t> </a:t>
-            </a:r>
-            <a:r>
-              <a:rPr lang="de-DE" dirty="0" err="1">
-                <a:solidFill>
-                  <a:srgbClr val="FFFFFF"/>
-                </a:solidFill>
-                <a:ea typeface="+mn-lt"/>
-                <a:cs typeface="+mn-lt"/>
-              </a:rPr>
-              <a:t>funcionais</a:t>
-            </a:r>
-            <a:r>
-              <a:rPr lang="de-DE" dirty="0">
-                <a:solidFill>
-                  <a:srgbClr val="FFFFFF"/>
-                </a:solidFill>
-                <a:ea typeface="+mn-lt"/>
-                <a:cs typeface="+mn-lt"/>
-              </a:rPr>
-              <a:t> </a:t>
-            </a:r>
-            <a:r>
-              <a:rPr lang="de-DE" dirty="0" err="1">
-                <a:solidFill>
-                  <a:srgbClr val="FFFFFF"/>
-                </a:solidFill>
-                <a:ea typeface="+mn-lt"/>
-                <a:cs typeface="+mn-lt"/>
-              </a:rPr>
-              <a:t>não</a:t>
-            </a:r>
-            <a:r>
-              <a:rPr lang="de-DE" dirty="0">
-                <a:solidFill>
-                  <a:srgbClr val="FFFFFF"/>
-                </a:solidFill>
-                <a:ea typeface="+mn-lt"/>
-                <a:cs typeface="+mn-lt"/>
-              </a:rPr>
-              <a:t> se </a:t>
-            </a:r>
-            <a:r>
-              <a:rPr lang="de-DE" dirty="0" err="1">
-                <a:solidFill>
-                  <a:srgbClr val="FFFFFF"/>
-                </a:solidFill>
-                <a:ea typeface="+mn-lt"/>
-                <a:cs typeface="+mn-lt"/>
-              </a:rPr>
-              <a:t>preocupam</a:t>
-            </a:r>
-            <a:r>
-              <a:rPr lang="de-DE" dirty="0">
-                <a:solidFill>
-                  <a:srgbClr val="FFFFFF"/>
-                </a:solidFill>
-                <a:ea typeface="+mn-lt"/>
-                <a:cs typeface="+mn-lt"/>
-              </a:rPr>
-              <a:t> </a:t>
-            </a:r>
-            <a:r>
-              <a:rPr lang="de-DE" dirty="0" err="1">
-                <a:solidFill>
-                  <a:srgbClr val="FFFFFF"/>
-                </a:solidFill>
-                <a:ea typeface="+mn-lt"/>
-                <a:cs typeface="+mn-lt"/>
-              </a:rPr>
-              <a:t>com</a:t>
-            </a:r>
-            <a:r>
-              <a:rPr lang="de-DE" dirty="0">
-                <a:solidFill>
-                  <a:srgbClr val="FFFFFF"/>
-                </a:solidFill>
-                <a:ea typeface="+mn-lt"/>
-                <a:cs typeface="+mn-lt"/>
-              </a:rPr>
-              <a:t> a forma </a:t>
-            </a:r>
-            <a:r>
-              <a:rPr lang="de-DE" dirty="0" err="1">
-                <a:solidFill>
-                  <a:srgbClr val="FFFFFF"/>
-                </a:solidFill>
-                <a:ea typeface="+mn-lt"/>
-                <a:cs typeface="+mn-lt"/>
-              </a:rPr>
-              <a:t>como</a:t>
-            </a:r>
-            <a:r>
-              <a:rPr lang="de-DE" dirty="0">
-                <a:solidFill>
-                  <a:srgbClr val="FFFFFF"/>
-                </a:solidFill>
-                <a:ea typeface="+mn-lt"/>
-                <a:cs typeface="+mn-lt"/>
-              </a:rPr>
-              <a:t> o </a:t>
-            </a:r>
-            <a:r>
-              <a:rPr lang="de-DE" dirty="0" err="1">
-                <a:solidFill>
-                  <a:srgbClr val="FFFFFF"/>
-                </a:solidFill>
-                <a:ea typeface="+mn-lt"/>
-                <a:cs typeface="+mn-lt"/>
-              </a:rPr>
-              <a:t>processamento</a:t>
-            </a:r>
-            <a:r>
-              <a:rPr lang="de-DE" dirty="0">
-                <a:solidFill>
-                  <a:srgbClr val="FFFFFF"/>
-                </a:solidFill>
-                <a:ea typeface="+mn-lt"/>
-                <a:cs typeface="+mn-lt"/>
-              </a:rPr>
-              <a:t> </a:t>
-            </a:r>
-            <a:r>
-              <a:rPr lang="de-DE" dirty="0" err="1">
-                <a:solidFill>
-                  <a:srgbClr val="FFFFFF"/>
-                </a:solidFill>
-                <a:ea typeface="+mn-lt"/>
-                <a:cs typeface="+mn-lt"/>
-              </a:rPr>
-              <a:t>ocorre</a:t>
-            </a:r>
-            <a:r>
-              <a:rPr lang="de-DE" dirty="0">
-                <a:solidFill>
-                  <a:srgbClr val="FFFFFF"/>
-                </a:solidFill>
-                <a:ea typeface="+mn-lt"/>
-                <a:cs typeface="+mn-lt"/>
-              </a:rPr>
-              <a:t>, </a:t>
-            </a:r>
-            <a:r>
-              <a:rPr lang="de-DE" dirty="0" err="1">
-                <a:solidFill>
-                  <a:srgbClr val="FFFFFF"/>
-                </a:solidFill>
-                <a:ea typeface="+mn-lt"/>
-                <a:cs typeface="+mn-lt"/>
-              </a:rPr>
-              <a:t>mas</a:t>
-            </a:r>
-            <a:r>
-              <a:rPr lang="de-DE" dirty="0">
-                <a:solidFill>
-                  <a:srgbClr val="FFFFFF"/>
-                </a:solidFill>
-                <a:ea typeface="+mn-lt"/>
-                <a:cs typeface="+mn-lt"/>
-              </a:rPr>
-              <a:t> </a:t>
-            </a:r>
-            <a:r>
-              <a:rPr lang="de-DE" dirty="0" err="1">
-                <a:solidFill>
-                  <a:srgbClr val="FFFFFF"/>
-                </a:solidFill>
-                <a:ea typeface="+mn-lt"/>
-                <a:cs typeface="+mn-lt"/>
-              </a:rPr>
-              <a:t>sim</a:t>
-            </a:r>
-            <a:r>
-              <a:rPr lang="de-DE" dirty="0">
-                <a:solidFill>
-                  <a:srgbClr val="FFFFFF"/>
-                </a:solidFill>
-                <a:ea typeface="+mn-lt"/>
-                <a:cs typeface="+mn-lt"/>
-              </a:rPr>
-              <a:t> se o </a:t>
-            </a:r>
-            <a:r>
-              <a:rPr lang="de-DE" dirty="0" err="1">
-                <a:solidFill>
-                  <a:srgbClr val="FFFFFF"/>
-                </a:solidFill>
-                <a:ea typeface="+mn-lt"/>
-                <a:cs typeface="+mn-lt"/>
-              </a:rPr>
-              <a:t>processamento</a:t>
-            </a:r>
-            <a:r>
-              <a:rPr lang="de-DE" dirty="0">
-                <a:solidFill>
-                  <a:srgbClr val="FFFFFF"/>
-                </a:solidFill>
-                <a:ea typeface="+mn-lt"/>
-                <a:cs typeface="+mn-lt"/>
-              </a:rPr>
-              <a:t> </a:t>
-            </a:r>
-            <a:r>
-              <a:rPr lang="de-DE" dirty="0" err="1">
-                <a:solidFill>
-                  <a:srgbClr val="FFFFFF"/>
-                </a:solidFill>
-                <a:ea typeface="+mn-lt"/>
-                <a:cs typeface="+mn-lt"/>
-              </a:rPr>
-              <a:t>está</a:t>
-            </a:r>
-            <a:r>
-              <a:rPr lang="de-DE" dirty="0">
-                <a:solidFill>
-                  <a:srgbClr val="FFFFFF"/>
-                </a:solidFill>
-                <a:ea typeface="+mn-lt"/>
-                <a:cs typeface="+mn-lt"/>
-              </a:rPr>
-              <a:t> a </a:t>
-            </a:r>
-            <a:r>
-              <a:rPr lang="de-DE" dirty="0" err="1">
-                <a:solidFill>
-                  <a:srgbClr val="FFFFFF"/>
-                </a:solidFill>
-                <a:ea typeface="+mn-lt"/>
-                <a:cs typeface="+mn-lt"/>
-              </a:rPr>
-              <a:t>fornecer</a:t>
-            </a:r>
-            <a:r>
-              <a:rPr lang="de-DE" dirty="0">
-                <a:solidFill>
-                  <a:srgbClr val="FFFFFF"/>
-                </a:solidFill>
-                <a:ea typeface="+mn-lt"/>
-                <a:cs typeface="+mn-lt"/>
-              </a:rPr>
-              <a:t> </a:t>
-            </a:r>
-            <a:r>
-              <a:rPr lang="de-DE" dirty="0" err="1">
-                <a:solidFill>
-                  <a:srgbClr val="FFFFFF"/>
-                </a:solidFill>
-                <a:ea typeface="+mn-lt"/>
-                <a:cs typeface="+mn-lt"/>
-              </a:rPr>
-              <a:t>os</a:t>
-            </a:r>
-            <a:r>
-              <a:rPr lang="de-DE" dirty="0">
-                <a:solidFill>
-                  <a:srgbClr val="FFFFFF"/>
-                </a:solidFill>
-                <a:ea typeface="+mn-lt"/>
-                <a:cs typeface="+mn-lt"/>
-              </a:rPr>
-              <a:t> </a:t>
-            </a:r>
-            <a:r>
-              <a:rPr lang="de-DE" dirty="0" err="1">
-                <a:solidFill>
-                  <a:srgbClr val="FFFFFF"/>
-                </a:solidFill>
-                <a:ea typeface="+mn-lt"/>
-                <a:cs typeface="+mn-lt"/>
-              </a:rPr>
-              <a:t>resultados</a:t>
-            </a:r>
-            <a:r>
-              <a:rPr lang="de-DE" dirty="0">
-                <a:solidFill>
-                  <a:srgbClr val="FFFFFF"/>
-                </a:solidFill>
-                <a:ea typeface="+mn-lt"/>
-                <a:cs typeface="+mn-lt"/>
-              </a:rPr>
-              <a:t> </a:t>
-            </a:r>
-            <a:r>
-              <a:rPr lang="de-DE" dirty="0" err="1">
-                <a:solidFill>
-                  <a:srgbClr val="FFFFFF"/>
-                </a:solidFill>
-                <a:ea typeface="+mn-lt"/>
-                <a:cs typeface="+mn-lt"/>
-              </a:rPr>
-              <a:t>correctos</a:t>
-            </a:r>
-            <a:r>
-              <a:rPr lang="de-DE" dirty="0">
-                <a:solidFill>
-                  <a:srgbClr val="FFFFFF"/>
-                </a:solidFill>
-                <a:ea typeface="+mn-lt"/>
-                <a:cs typeface="+mn-lt"/>
-              </a:rPr>
-              <a:t> </a:t>
-            </a:r>
-            <a:r>
-              <a:rPr lang="de-DE" dirty="0" err="1">
-                <a:solidFill>
-                  <a:srgbClr val="FFFFFF"/>
-                </a:solidFill>
-                <a:ea typeface="+mn-lt"/>
-                <a:cs typeface="+mn-lt"/>
-              </a:rPr>
-              <a:t>ou</a:t>
-            </a:r>
-            <a:r>
-              <a:rPr lang="de-DE" dirty="0">
-                <a:solidFill>
-                  <a:srgbClr val="FFFFFF"/>
-                </a:solidFill>
-                <a:ea typeface="+mn-lt"/>
-                <a:cs typeface="+mn-lt"/>
-              </a:rPr>
-              <a:t> se </a:t>
-            </a:r>
-            <a:r>
-              <a:rPr lang="de-DE" dirty="0" err="1">
-                <a:solidFill>
-                  <a:srgbClr val="FFFFFF"/>
-                </a:solidFill>
-                <a:ea typeface="+mn-lt"/>
-                <a:cs typeface="+mn-lt"/>
-              </a:rPr>
-              <a:t>tem</a:t>
-            </a:r>
-            <a:r>
-              <a:rPr lang="de-DE" dirty="0">
-                <a:solidFill>
-                  <a:srgbClr val="FFFFFF"/>
-                </a:solidFill>
-                <a:ea typeface="+mn-lt"/>
-                <a:cs typeface="+mn-lt"/>
-              </a:rPr>
-              <a:t> </a:t>
-            </a:r>
-            <a:r>
-              <a:rPr lang="de-DE" dirty="0" err="1">
-                <a:solidFill>
-                  <a:srgbClr val="FFFFFF"/>
-                </a:solidFill>
-                <a:ea typeface="+mn-lt"/>
-                <a:cs typeface="+mn-lt"/>
-              </a:rPr>
-              <a:t>algum</a:t>
-            </a:r>
-            <a:r>
-              <a:rPr lang="de-DE" dirty="0">
-                <a:solidFill>
-                  <a:srgbClr val="FFFFFF"/>
-                </a:solidFill>
-                <a:ea typeface="+mn-lt"/>
-                <a:cs typeface="+mn-lt"/>
-              </a:rPr>
-              <a:t> </a:t>
-            </a:r>
-            <a:r>
-              <a:rPr lang="de-DE" dirty="0" err="1">
-                <a:solidFill>
-                  <a:srgbClr val="FFFFFF"/>
-                </a:solidFill>
-                <a:ea typeface="+mn-lt"/>
-                <a:cs typeface="+mn-lt"/>
-              </a:rPr>
-              <a:t>bug</a:t>
-            </a:r>
-            <a:r>
-              <a:rPr lang="de-DE" dirty="0">
-                <a:solidFill>
-                  <a:srgbClr val="FFFFFF"/>
-                </a:solidFill>
-                <a:ea typeface="+mn-lt"/>
-                <a:cs typeface="+mn-lt"/>
-              </a:rPr>
-              <a:t>.</a:t>
-            </a:r>
-            <a:endParaRPr lang="de-DE">
-              <a:ea typeface="Calibri"/>
-              <a:cs typeface="Calibri"/>
+              <a:t>Garantem que o software atenda aos requisitos definidos.</a:t>
+            </a:r>
+            <a:endParaRPr lang="de-DE" dirty="0">
+              <a:solidFill>
+                <a:schemeClr val="bg1"/>
+              </a:solidFill>
             </a:endParaRPr>
           </a:p>
         </p:txBody>
@@ -7821,720 +7162,64 @@
           </a:bodyPr>
           <a:lstStyle/>
           <a:p>
-            <a:endParaRPr lang="de-DE" dirty="0"/>
-          </a:p>
-          <a:p>
-            <a:r>
-              <a:rPr lang="de-DE" sz="2800" dirty="0">
+            <a:r>
+              <a:rPr lang="pt-BR" dirty="0">
                 <a:solidFill>
-                  <a:srgbClr val="FFFFFF"/>
+                  <a:schemeClr val="bg1"/>
                 </a:solidFill>
-                <a:ea typeface="+mn-lt"/>
-                <a:cs typeface="+mn-lt"/>
               </a:rPr>
-              <a:t>Teste </a:t>
-            </a:r>
-            <a:r>
-              <a:rPr lang="de-DE" sz="2800" dirty="0" err="1">
+              <a:t>O teste funcional valida se o sistema atende aos requisitos especificados.</a:t>
+            </a:r>
+            <a:br>
+              <a:rPr lang="pt-BR" dirty="0">
                 <a:solidFill>
-                  <a:srgbClr val="FFFFFF"/>
+                  <a:schemeClr val="bg1"/>
                 </a:solidFill>
-                <a:ea typeface="+mn-lt"/>
-                <a:cs typeface="+mn-lt"/>
               </a:rPr>
-              <a:t>funcional</a:t>
-            </a:r>
-            <a:r>
-              <a:rPr lang="de-DE" sz="2800" dirty="0">
+            </a:br>
+            <a:r>
+              <a:rPr lang="pt-BR" dirty="0">
                 <a:solidFill>
-                  <a:srgbClr val="FFFFFF"/>
+                  <a:schemeClr val="bg1"/>
                 </a:solidFill>
-                <a:ea typeface="+mn-lt"/>
-                <a:cs typeface="+mn-lt"/>
               </a:rPr>
-              <a:t> é um </a:t>
-            </a:r>
-            <a:r>
-              <a:rPr lang="de-DE" sz="2800" dirty="0" err="1">
+              <a:t>Ele foca no que o sistema faz, não em como faz.</a:t>
+            </a:r>
+            <a:br>
+              <a:rPr lang="pt-BR" dirty="0">
                 <a:solidFill>
-                  <a:srgbClr val="FFFFFF"/>
+                  <a:schemeClr val="bg1"/>
                 </a:solidFill>
-                <a:ea typeface="+mn-lt"/>
-                <a:cs typeface="+mn-lt"/>
               </a:rPr>
-              <a:t>tipo</a:t>
-            </a:r>
-            <a:r>
-              <a:rPr lang="de-DE" sz="2800" dirty="0">
+            </a:br>
+            <a:r>
+              <a:rPr lang="pt-BR" dirty="0">
                 <a:solidFill>
-                  <a:srgbClr val="FFFFFF"/>
+                  <a:schemeClr val="bg1"/>
                 </a:solidFill>
-                <a:ea typeface="+mn-lt"/>
-                <a:cs typeface="+mn-lt"/>
               </a:rPr>
-              <a:t> de teste de </a:t>
-            </a:r>
-            <a:r>
-              <a:rPr lang="de-DE" sz="2800" dirty="0" err="1">
+              <a:t>Testa funções e características com entradas apropriadas.</a:t>
+            </a:r>
+            <a:br>
+              <a:rPr lang="pt-BR" dirty="0">
                 <a:solidFill>
-                  <a:srgbClr val="FFFFFF"/>
+                  <a:schemeClr val="bg1"/>
                 </a:solidFill>
-                <a:ea typeface="+mn-lt"/>
-                <a:cs typeface="+mn-lt"/>
               </a:rPr>
-              <a:t>software</a:t>
-            </a:r>
-            <a:r>
-              <a:rPr lang="de-DE" sz="2800" dirty="0">
+            </a:br>
+            <a:r>
+              <a:rPr lang="pt-BR" dirty="0">
                 <a:solidFill>
-                  <a:srgbClr val="FFFFFF"/>
+                  <a:schemeClr val="bg1"/>
                 </a:solidFill>
-                <a:ea typeface="+mn-lt"/>
-                <a:cs typeface="+mn-lt"/>
               </a:rPr>
-              <a:t> </a:t>
-            </a:r>
-            <a:r>
-              <a:rPr lang="de-DE" sz="2800" dirty="0" err="1">
-                <a:solidFill>
-                  <a:srgbClr val="FFFFFF"/>
-                </a:solidFill>
-                <a:ea typeface="+mn-lt"/>
-                <a:cs typeface="+mn-lt"/>
-              </a:rPr>
-              <a:t>que</a:t>
-            </a:r>
-            <a:r>
-              <a:rPr lang="de-DE" sz="2800" dirty="0">
-                <a:solidFill>
-                  <a:srgbClr val="FFFFFF"/>
-                </a:solidFill>
-                <a:ea typeface="+mn-lt"/>
-                <a:cs typeface="+mn-lt"/>
-              </a:rPr>
-              <a:t> </a:t>
-            </a:r>
-            <a:r>
-              <a:rPr lang="de-DE" sz="2800" dirty="0" err="1">
-                <a:solidFill>
-                  <a:srgbClr val="FFFFFF"/>
-                </a:solidFill>
-                <a:ea typeface="+mn-lt"/>
-                <a:cs typeface="+mn-lt"/>
-              </a:rPr>
-              <a:t>valida</a:t>
-            </a:r>
-            <a:r>
-              <a:rPr lang="de-DE" sz="2800" dirty="0">
-                <a:solidFill>
-                  <a:srgbClr val="FFFFFF"/>
-                </a:solidFill>
-                <a:ea typeface="+mn-lt"/>
-                <a:cs typeface="+mn-lt"/>
-              </a:rPr>
-              <a:t> se a </a:t>
-            </a:r>
-            <a:r>
-              <a:rPr lang="de-DE" sz="2800" dirty="0" err="1">
-                <a:solidFill>
-                  <a:srgbClr val="FFFFFF"/>
-                </a:solidFill>
-                <a:ea typeface="+mn-lt"/>
-                <a:cs typeface="+mn-lt"/>
-              </a:rPr>
-              <a:t>funcionalidade</a:t>
-            </a:r>
-            <a:r>
-              <a:rPr lang="de-DE" sz="2800" dirty="0">
-                <a:solidFill>
-                  <a:srgbClr val="FFFFFF"/>
-                </a:solidFill>
-                <a:ea typeface="+mn-lt"/>
-                <a:cs typeface="+mn-lt"/>
-              </a:rPr>
-              <a:t> de um </a:t>
-            </a:r>
-            <a:r>
-              <a:rPr lang="de-DE" sz="2800" dirty="0" err="1">
-                <a:solidFill>
-                  <a:srgbClr val="FFFFFF"/>
-                </a:solidFill>
-                <a:ea typeface="+mn-lt"/>
-                <a:cs typeface="+mn-lt"/>
-              </a:rPr>
-              <a:t>sistema</a:t>
-            </a:r>
-            <a:r>
-              <a:rPr lang="de-DE" sz="2800" dirty="0">
-                <a:solidFill>
-                  <a:srgbClr val="FFFFFF"/>
-                </a:solidFill>
-                <a:ea typeface="+mn-lt"/>
-                <a:cs typeface="+mn-lt"/>
-              </a:rPr>
-              <a:t> </a:t>
-            </a:r>
-            <a:r>
-              <a:rPr lang="de-DE" sz="2800" dirty="0" err="1">
-                <a:solidFill>
-                  <a:srgbClr val="FFFFFF"/>
-                </a:solidFill>
-                <a:ea typeface="+mn-lt"/>
-                <a:cs typeface="+mn-lt"/>
-              </a:rPr>
-              <a:t>atende</a:t>
-            </a:r>
-            <a:r>
-              <a:rPr lang="de-DE" sz="2800" dirty="0">
-                <a:solidFill>
-                  <a:srgbClr val="FFFFFF"/>
-                </a:solidFill>
-                <a:ea typeface="+mn-lt"/>
-                <a:cs typeface="+mn-lt"/>
-              </a:rPr>
-              <a:t> </a:t>
-            </a:r>
-            <a:r>
-              <a:rPr lang="de-DE" sz="2800" dirty="0" err="1">
-                <a:solidFill>
-                  <a:srgbClr val="FFFFFF"/>
-                </a:solidFill>
-                <a:ea typeface="+mn-lt"/>
-                <a:cs typeface="+mn-lt"/>
-              </a:rPr>
-              <a:t>aos</a:t>
-            </a:r>
-            <a:r>
-              <a:rPr lang="de-DE" sz="2800" dirty="0">
-                <a:solidFill>
-                  <a:srgbClr val="FFFFFF"/>
-                </a:solidFill>
-                <a:ea typeface="+mn-lt"/>
-                <a:cs typeface="+mn-lt"/>
-              </a:rPr>
-              <a:t> </a:t>
-            </a:r>
-            <a:r>
-              <a:rPr lang="de-DE" sz="2800" dirty="0" err="1">
-                <a:solidFill>
-                  <a:srgbClr val="FFFFFF"/>
-                </a:solidFill>
-                <a:ea typeface="+mn-lt"/>
-                <a:cs typeface="+mn-lt"/>
-              </a:rPr>
-              <a:t>requisitos</a:t>
-            </a:r>
-            <a:r>
-              <a:rPr lang="de-DE" sz="2800" dirty="0">
-                <a:solidFill>
-                  <a:srgbClr val="FFFFFF"/>
-                </a:solidFill>
-                <a:ea typeface="+mn-lt"/>
-                <a:cs typeface="+mn-lt"/>
-              </a:rPr>
-              <a:t> </a:t>
-            </a:r>
-            <a:r>
-              <a:rPr lang="de-DE" sz="2800" dirty="0" err="1">
-                <a:solidFill>
-                  <a:srgbClr val="FFFFFF"/>
-                </a:solidFill>
-                <a:ea typeface="+mn-lt"/>
-                <a:cs typeface="+mn-lt"/>
-              </a:rPr>
-              <a:t>especificados</a:t>
-            </a:r>
-            <a:r>
-              <a:rPr lang="de-DE" sz="2800" dirty="0">
-                <a:solidFill>
-                  <a:srgbClr val="FFFFFF"/>
-                </a:solidFill>
-                <a:ea typeface="+mn-lt"/>
-                <a:cs typeface="+mn-lt"/>
-              </a:rPr>
-              <a:t>. </a:t>
-            </a:r>
-            <a:r>
-              <a:rPr lang="de-DE" sz="2800" dirty="0" err="1">
-                <a:solidFill>
-                  <a:srgbClr val="FFFFFF"/>
-                </a:solidFill>
-                <a:ea typeface="+mn-lt"/>
-                <a:cs typeface="+mn-lt"/>
-              </a:rPr>
-              <a:t>Ele</a:t>
-            </a:r>
-            <a:r>
-              <a:rPr lang="de-DE" sz="2800" dirty="0">
-                <a:solidFill>
-                  <a:srgbClr val="FFFFFF"/>
-                </a:solidFill>
-                <a:ea typeface="+mn-lt"/>
-                <a:cs typeface="+mn-lt"/>
-              </a:rPr>
-              <a:t> se </a:t>
-            </a:r>
-            <a:r>
-              <a:rPr lang="de-DE" sz="2800" dirty="0" err="1">
-                <a:solidFill>
-                  <a:srgbClr val="FFFFFF"/>
-                </a:solidFill>
-                <a:ea typeface="+mn-lt"/>
-                <a:cs typeface="+mn-lt"/>
-              </a:rPr>
-              <a:t>concentra</a:t>
-            </a:r>
-            <a:r>
-              <a:rPr lang="de-DE" sz="2800" dirty="0">
-                <a:solidFill>
-                  <a:srgbClr val="FFFFFF"/>
-                </a:solidFill>
-                <a:ea typeface="+mn-lt"/>
-                <a:cs typeface="+mn-lt"/>
-              </a:rPr>
-              <a:t> </a:t>
-            </a:r>
-            <a:r>
-              <a:rPr lang="de-DE" sz="2800" dirty="0" err="1">
-                <a:solidFill>
-                  <a:srgbClr val="FFFFFF"/>
-                </a:solidFill>
-                <a:ea typeface="+mn-lt"/>
-                <a:cs typeface="+mn-lt"/>
-              </a:rPr>
-              <a:t>em</a:t>
-            </a:r>
-            <a:r>
-              <a:rPr lang="de-DE" sz="2800" dirty="0">
-                <a:solidFill>
-                  <a:srgbClr val="FFFFFF"/>
-                </a:solidFill>
-                <a:ea typeface="+mn-lt"/>
-                <a:cs typeface="+mn-lt"/>
-              </a:rPr>
-              <a:t> </a:t>
-            </a:r>
-            <a:r>
-              <a:rPr lang="de-DE" sz="2800" dirty="0" err="1">
-                <a:solidFill>
-                  <a:srgbClr val="FFFFFF"/>
-                </a:solidFill>
-                <a:ea typeface="+mn-lt"/>
-                <a:cs typeface="+mn-lt"/>
-              </a:rPr>
-              <a:t>examinar</a:t>
-            </a:r>
-            <a:r>
-              <a:rPr lang="de-DE" sz="2800" dirty="0">
-                <a:solidFill>
-                  <a:srgbClr val="FFFFFF"/>
-                </a:solidFill>
-                <a:ea typeface="+mn-lt"/>
-                <a:cs typeface="+mn-lt"/>
-              </a:rPr>
-              <a:t> o </a:t>
-            </a:r>
-            <a:r>
-              <a:rPr lang="de-DE" sz="2800" dirty="0" err="1">
-                <a:solidFill>
-                  <a:srgbClr val="FFFFFF"/>
-                </a:solidFill>
-                <a:ea typeface="+mn-lt"/>
-                <a:cs typeface="+mn-lt"/>
-              </a:rPr>
-              <a:t>que</a:t>
-            </a:r>
-            <a:r>
-              <a:rPr lang="de-DE" sz="2800" dirty="0">
-                <a:solidFill>
-                  <a:srgbClr val="FFFFFF"/>
-                </a:solidFill>
-                <a:ea typeface="+mn-lt"/>
-                <a:cs typeface="+mn-lt"/>
-              </a:rPr>
-              <a:t> o </a:t>
-            </a:r>
-            <a:r>
-              <a:rPr lang="de-DE" sz="2800" dirty="0" err="1">
-                <a:solidFill>
-                  <a:srgbClr val="FFFFFF"/>
-                </a:solidFill>
-                <a:ea typeface="+mn-lt"/>
-                <a:cs typeface="+mn-lt"/>
-              </a:rPr>
-              <a:t>sistema</a:t>
-            </a:r>
-            <a:r>
-              <a:rPr lang="de-DE" sz="2800" dirty="0">
-                <a:solidFill>
-                  <a:srgbClr val="FFFFFF"/>
-                </a:solidFill>
-                <a:ea typeface="+mn-lt"/>
-                <a:cs typeface="+mn-lt"/>
-              </a:rPr>
-              <a:t> </a:t>
-            </a:r>
-            <a:r>
-              <a:rPr lang="de-DE" sz="2800" dirty="0" err="1">
-                <a:solidFill>
-                  <a:srgbClr val="FFFFFF"/>
-                </a:solidFill>
-                <a:ea typeface="+mn-lt"/>
-                <a:cs typeface="+mn-lt"/>
-              </a:rPr>
-              <a:t>faz</a:t>
-            </a:r>
-            <a:r>
-              <a:rPr lang="de-DE" sz="2800" dirty="0">
-                <a:solidFill>
-                  <a:srgbClr val="FFFFFF"/>
-                </a:solidFill>
-                <a:ea typeface="+mn-lt"/>
-                <a:cs typeface="+mn-lt"/>
-              </a:rPr>
-              <a:t>, </a:t>
-            </a:r>
-            <a:r>
-              <a:rPr lang="de-DE" sz="2800" dirty="0" err="1">
-                <a:solidFill>
-                  <a:srgbClr val="FFFFFF"/>
-                </a:solidFill>
-                <a:ea typeface="+mn-lt"/>
-                <a:cs typeface="+mn-lt"/>
-              </a:rPr>
-              <a:t>testando</a:t>
-            </a:r>
-            <a:r>
-              <a:rPr lang="de-DE" sz="2800" dirty="0">
-                <a:solidFill>
-                  <a:srgbClr val="FFFFFF"/>
-                </a:solidFill>
-                <a:ea typeface="+mn-lt"/>
-                <a:cs typeface="+mn-lt"/>
-              </a:rPr>
-              <a:t> </a:t>
-            </a:r>
-            <a:r>
-              <a:rPr lang="de-DE" sz="2800" dirty="0" err="1">
-                <a:solidFill>
-                  <a:srgbClr val="FFFFFF"/>
-                </a:solidFill>
-                <a:ea typeface="+mn-lt"/>
-                <a:cs typeface="+mn-lt"/>
-              </a:rPr>
-              <a:t>as</a:t>
-            </a:r>
-            <a:r>
-              <a:rPr lang="de-DE" sz="2800" dirty="0">
-                <a:solidFill>
-                  <a:srgbClr val="FFFFFF"/>
-                </a:solidFill>
-                <a:ea typeface="+mn-lt"/>
-                <a:cs typeface="+mn-lt"/>
-              </a:rPr>
-              <a:t> </a:t>
-            </a:r>
-            <a:r>
-              <a:rPr lang="de-DE" sz="2800" dirty="0" err="1">
-                <a:solidFill>
-                  <a:srgbClr val="FFFFFF"/>
-                </a:solidFill>
-                <a:ea typeface="+mn-lt"/>
-                <a:cs typeface="+mn-lt"/>
-              </a:rPr>
-              <a:t>características</a:t>
-            </a:r>
-            <a:r>
-              <a:rPr lang="de-DE" sz="2800" dirty="0">
-                <a:solidFill>
-                  <a:srgbClr val="FFFFFF"/>
-                </a:solidFill>
-                <a:ea typeface="+mn-lt"/>
-                <a:cs typeface="+mn-lt"/>
-              </a:rPr>
-              <a:t> e </a:t>
-            </a:r>
-            <a:r>
-              <a:rPr lang="de-DE" sz="2800" dirty="0" err="1">
-                <a:solidFill>
-                  <a:srgbClr val="FFFFFF"/>
-                </a:solidFill>
-                <a:ea typeface="+mn-lt"/>
-                <a:cs typeface="+mn-lt"/>
-              </a:rPr>
-              <a:t>funções</a:t>
-            </a:r>
-            <a:r>
-              <a:rPr lang="de-DE" sz="2800" dirty="0">
-                <a:solidFill>
-                  <a:srgbClr val="FFFFFF"/>
-                </a:solidFill>
-                <a:ea typeface="+mn-lt"/>
-                <a:cs typeface="+mn-lt"/>
-              </a:rPr>
-              <a:t> do </a:t>
-            </a:r>
-            <a:r>
-              <a:rPr lang="de-DE" sz="2800" dirty="0" err="1">
-                <a:solidFill>
-                  <a:srgbClr val="FFFFFF"/>
-                </a:solidFill>
-                <a:ea typeface="+mn-lt"/>
-                <a:cs typeface="+mn-lt"/>
-              </a:rPr>
-              <a:t>aplicativo</a:t>
-            </a:r>
-            <a:r>
-              <a:rPr lang="de-DE" sz="2800" dirty="0">
-                <a:solidFill>
-                  <a:srgbClr val="FFFFFF"/>
-                </a:solidFill>
-                <a:ea typeface="+mn-lt"/>
-                <a:cs typeface="+mn-lt"/>
-              </a:rPr>
-              <a:t> </a:t>
-            </a:r>
-            <a:r>
-              <a:rPr lang="de-DE" sz="2800" dirty="0" err="1">
-                <a:solidFill>
-                  <a:srgbClr val="FFFFFF"/>
-                </a:solidFill>
-                <a:ea typeface="+mn-lt"/>
-                <a:cs typeface="+mn-lt"/>
-              </a:rPr>
-              <a:t>ao</a:t>
-            </a:r>
-            <a:r>
-              <a:rPr lang="de-DE" sz="2800" dirty="0">
-                <a:solidFill>
-                  <a:srgbClr val="FFFFFF"/>
-                </a:solidFill>
-                <a:ea typeface="+mn-lt"/>
-                <a:cs typeface="+mn-lt"/>
-              </a:rPr>
-              <a:t> </a:t>
-            </a:r>
-            <a:r>
-              <a:rPr lang="de-DE" sz="2800" dirty="0" err="1">
-                <a:solidFill>
-                  <a:srgbClr val="FFFFFF"/>
-                </a:solidFill>
-                <a:ea typeface="+mn-lt"/>
-                <a:cs typeface="+mn-lt"/>
-              </a:rPr>
-              <a:t>fornecer</a:t>
-            </a:r>
-            <a:r>
-              <a:rPr lang="de-DE" sz="2800" dirty="0">
-                <a:solidFill>
-                  <a:srgbClr val="FFFFFF"/>
-                </a:solidFill>
-                <a:ea typeface="+mn-lt"/>
-                <a:cs typeface="+mn-lt"/>
-              </a:rPr>
-              <a:t> </a:t>
-            </a:r>
-            <a:r>
-              <a:rPr lang="de-DE" sz="2800" dirty="0" err="1">
-                <a:solidFill>
-                  <a:srgbClr val="FFFFFF"/>
-                </a:solidFill>
-                <a:ea typeface="+mn-lt"/>
-                <a:cs typeface="+mn-lt"/>
-              </a:rPr>
-              <a:t>entradas</a:t>
-            </a:r>
-            <a:r>
-              <a:rPr lang="de-DE" sz="2800" dirty="0">
-                <a:solidFill>
-                  <a:srgbClr val="FFFFFF"/>
-                </a:solidFill>
-                <a:ea typeface="+mn-lt"/>
-                <a:cs typeface="+mn-lt"/>
-              </a:rPr>
-              <a:t> </a:t>
-            </a:r>
-            <a:r>
-              <a:rPr lang="de-DE" sz="2800" dirty="0" err="1">
-                <a:solidFill>
-                  <a:srgbClr val="FFFFFF"/>
-                </a:solidFill>
-                <a:ea typeface="+mn-lt"/>
-                <a:cs typeface="+mn-lt"/>
-              </a:rPr>
-              <a:t>apropriadas</a:t>
-            </a:r>
-            <a:r>
-              <a:rPr lang="de-DE" sz="2800" dirty="0">
-                <a:solidFill>
-                  <a:srgbClr val="FFFFFF"/>
-                </a:solidFill>
-                <a:ea typeface="+mn-lt"/>
-                <a:cs typeface="+mn-lt"/>
-              </a:rPr>
-              <a:t> e </a:t>
-            </a:r>
-            <a:r>
-              <a:rPr lang="de-DE" sz="2800" dirty="0" err="1">
-                <a:solidFill>
-                  <a:srgbClr val="FFFFFF"/>
-                </a:solidFill>
-                <a:ea typeface="+mn-lt"/>
-                <a:cs typeface="+mn-lt"/>
-              </a:rPr>
-              <a:t>verificando</a:t>
-            </a:r>
-            <a:r>
-              <a:rPr lang="de-DE" sz="2800" dirty="0">
-                <a:solidFill>
-                  <a:srgbClr val="FFFFFF"/>
-                </a:solidFill>
-                <a:ea typeface="+mn-lt"/>
-                <a:cs typeface="+mn-lt"/>
-              </a:rPr>
-              <a:t> </a:t>
-            </a:r>
-            <a:r>
-              <a:rPr lang="de-DE" sz="2800" dirty="0" err="1">
-                <a:solidFill>
-                  <a:srgbClr val="FFFFFF"/>
-                </a:solidFill>
-                <a:ea typeface="+mn-lt"/>
-                <a:cs typeface="+mn-lt"/>
-              </a:rPr>
-              <a:t>as</a:t>
-            </a:r>
-            <a:r>
-              <a:rPr lang="de-DE" sz="2800" dirty="0">
-                <a:solidFill>
-                  <a:srgbClr val="FFFFFF"/>
-                </a:solidFill>
-                <a:ea typeface="+mn-lt"/>
-                <a:cs typeface="+mn-lt"/>
-              </a:rPr>
-              <a:t> </a:t>
-            </a:r>
-            <a:r>
-              <a:rPr lang="de-DE" sz="2800" dirty="0" err="1">
-                <a:solidFill>
-                  <a:srgbClr val="FFFFFF"/>
-                </a:solidFill>
-                <a:ea typeface="+mn-lt"/>
-                <a:cs typeface="+mn-lt"/>
-              </a:rPr>
-              <a:t>saídas</a:t>
-            </a:r>
-            <a:r>
-              <a:rPr lang="de-DE" sz="2800" dirty="0">
-                <a:solidFill>
-                  <a:srgbClr val="FFFFFF"/>
-                </a:solidFill>
-                <a:ea typeface="+mn-lt"/>
-                <a:cs typeface="+mn-lt"/>
-              </a:rPr>
-              <a:t> </a:t>
-            </a:r>
-            <a:r>
-              <a:rPr lang="de-DE" sz="2800" dirty="0" err="1">
-                <a:solidFill>
-                  <a:srgbClr val="FFFFFF"/>
-                </a:solidFill>
-                <a:ea typeface="+mn-lt"/>
-                <a:cs typeface="+mn-lt"/>
-              </a:rPr>
-              <a:t>em</a:t>
-            </a:r>
-            <a:r>
-              <a:rPr lang="de-DE" sz="2800" dirty="0">
-                <a:solidFill>
-                  <a:srgbClr val="FFFFFF"/>
-                </a:solidFill>
-                <a:ea typeface="+mn-lt"/>
-                <a:cs typeface="+mn-lt"/>
-              </a:rPr>
-              <a:t> </a:t>
-            </a:r>
-            <a:r>
-              <a:rPr lang="de-DE" sz="2800" dirty="0" err="1">
-                <a:solidFill>
-                  <a:srgbClr val="FFFFFF"/>
-                </a:solidFill>
-                <a:ea typeface="+mn-lt"/>
-                <a:cs typeface="+mn-lt"/>
-              </a:rPr>
-              <a:t>relação</a:t>
-            </a:r>
-            <a:r>
-              <a:rPr lang="de-DE" sz="2800" dirty="0">
-                <a:solidFill>
-                  <a:srgbClr val="FFFFFF"/>
-                </a:solidFill>
-                <a:ea typeface="+mn-lt"/>
-                <a:cs typeface="+mn-lt"/>
-              </a:rPr>
-              <a:t> </a:t>
-            </a:r>
-            <a:r>
-              <a:rPr lang="de-DE" sz="2800" dirty="0" err="1">
-                <a:solidFill>
-                  <a:srgbClr val="FFFFFF"/>
-                </a:solidFill>
-                <a:ea typeface="+mn-lt"/>
-                <a:cs typeface="+mn-lt"/>
-              </a:rPr>
-              <a:t>aos</a:t>
-            </a:r>
-            <a:r>
-              <a:rPr lang="de-DE" sz="2800" dirty="0">
-                <a:solidFill>
-                  <a:srgbClr val="FFFFFF"/>
-                </a:solidFill>
-                <a:ea typeface="+mn-lt"/>
-                <a:cs typeface="+mn-lt"/>
-              </a:rPr>
-              <a:t> </a:t>
-            </a:r>
-            <a:r>
-              <a:rPr lang="de-DE" sz="2800" dirty="0" err="1">
-                <a:solidFill>
-                  <a:srgbClr val="FFFFFF"/>
-                </a:solidFill>
-                <a:ea typeface="+mn-lt"/>
-                <a:cs typeface="+mn-lt"/>
-              </a:rPr>
-              <a:t>resultados</a:t>
-            </a:r>
-            <a:r>
-              <a:rPr lang="de-DE" sz="2800" dirty="0">
-                <a:solidFill>
-                  <a:srgbClr val="FFFFFF"/>
-                </a:solidFill>
-                <a:ea typeface="+mn-lt"/>
-                <a:cs typeface="+mn-lt"/>
-              </a:rPr>
-              <a:t> </a:t>
-            </a:r>
-            <a:r>
-              <a:rPr lang="de-DE" sz="2800" dirty="0" err="1">
-                <a:solidFill>
-                  <a:srgbClr val="FFFFFF"/>
-                </a:solidFill>
-                <a:ea typeface="+mn-lt"/>
-                <a:cs typeface="+mn-lt"/>
-              </a:rPr>
-              <a:t>esperados</a:t>
-            </a:r>
-            <a:r>
-              <a:rPr lang="de-DE" sz="2800" dirty="0">
-                <a:solidFill>
-                  <a:srgbClr val="FFFFFF"/>
-                </a:solidFill>
-                <a:ea typeface="+mn-lt"/>
-                <a:cs typeface="+mn-lt"/>
-              </a:rPr>
-              <a:t>.</a:t>
-            </a:r>
-            <a:endParaRPr lang="de-DE" dirty="0"/>
+              <a:t>Verifica se as saídas correspondem aos resultados esperados.</a:t>
+            </a:r>
+            <a:endParaRPr lang="de-DE" dirty="0">
+              <a:solidFill>
+                <a:schemeClr val="bg1"/>
+              </a:solidFill>
+            </a:endParaRPr>
           </a:p>
         </p:txBody>
       </p:sp>
@@ -9408,596 +8093,80 @@
           </a:bodyPr>
           <a:lstStyle/>
           <a:p>
-            <a:endParaRPr lang="de-DE" dirty="0"/>
-          </a:p>
-          <a:p>
-            <a:r>
-              <a:rPr lang="de-DE">
+            <a:r>
+              <a:rPr lang="pt-BR" dirty="0">
                 <a:solidFill>
-                  <a:srgbClr val="FFFFFF"/>
+                  <a:schemeClr val="bg1"/>
                 </a:solidFill>
-                <a:ea typeface="+mn-lt"/>
-                <a:cs typeface="+mn-lt"/>
               </a:rPr>
-              <a:t>A </a:t>
-            </a:r>
-            <a:r>
-              <a:rPr lang="de-DE" err="1">
+              <a:t>Um teste funcional eficaz precisa de uma metodologia estruturada.</a:t>
+            </a:r>
+            <a:br>
+              <a:rPr lang="pt-BR" dirty="0">
                 <a:solidFill>
-                  <a:srgbClr val="FFFFFF"/>
+                  <a:schemeClr val="bg1"/>
                 </a:solidFill>
-                <a:ea typeface="+mn-lt"/>
-                <a:cs typeface="+mn-lt"/>
               </a:rPr>
-              <a:t>implementação</a:t>
-            </a:r>
-            <a:r>
-              <a:rPr lang="de-DE">
+            </a:br>
+            <a:r>
+              <a:rPr lang="pt-BR" dirty="0">
                 <a:solidFill>
-                  <a:srgbClr val="FFFFFF"/>
+                  <a:schemeClr val="bg1"/>
                 </a:solidFill>
-                <a:ea typeface="+mn-lt"/>
-                <a:cs typeface="+mn-lt"/>
               </a:rPr>
-              <a:t> de um teste funcional eficaz requer uma metodologia estruturada. O seguinte processo de nove etapas fornece uma estrutura abrangente</a:t>
-            </a:r>
-            <a:endParaRPr lang="de-DE"/>
-          </a:p>
-          <a:p>
-            <a:endParaRPr lang="de-DE"/>
-          </a:p>
-          <a:p>
-            <a:r>
-              <a:rPr lang="de-DE" dirty="0">
+              <a:t>Após corrigir defeitos, deve-se retestar a funcionalidade.</a:t>
+            </a:r>
+            <a:br>
+              <a:rPr lang="pt-BR" dirty="0">
                 <a:solidFill>
-                  <a:srgbClr val="FFFFFF"/>
+                  <a:schemeClr val="bg1"/>
                 </a:solidFill>
-                <a:ea typeface="+mn-lt"/>
-                <a:cs typeface="+mn-lt"/>
               </a:rPr>
-              <a:t>Uma </a:t>
-            </a:r>
-            <a:r>
-              <a:rPr lang="de-DE" dirty="0" err="1">
+            </a:br>
+            <a:r>
+              <a:rPr lang="pt-BR" dirty="0">
                 <a:solidFill>
-                  <a:srgbClr val="FFFFFF"/>
+                  <a:schemeClr val="bg1"/>
                 </a:solidFill>
-                <a:ea typeface="+mn-lt"/>
-                <a:cs typeface="+mn-lt"/>
               </a:rPr>
-              <a:t>vez</a:t>
-            </a:r>
-            <a:r>
-              <a:rPr lang="de-DE" dirty="0">
+              <a:t>Realiza-se também teste de regressão para novas verificações.</a:t>
+            </a:r>
+            <a:br>
+              <a:rPr lang="pt-BR" dirty="0">
                 <a:solidFill>
-                  <a:srgbClr val="FFFFFF"/>
+                  <a:schemeClr val="bg1"/>
                 </a:solidFill>
-                <a:ea typeface="+mn-lt"/>
-                <a:cs typeface="+mn-lt"/>
               </a:rPr>
-              <a:t> </a:t>
-            </a:r>
-            <a:r>
-              <a:rPr lang="de-DE" dirty="0" err="1">
+            </a:br>
+            <a:r>
+              <a:rPr lang="pt-BR" dirty="0">
                 <a:solidFill>
-                  <a:srgbClr val="FFFFFF"/>
+                  <a:schemeClr val="bg1"/>
                 </a:solidFill>
-                <a:ea typeface="+mn-lt"/>
-                <a:cs typeface="+mn-lt"/>
               </a:rPr>
-              <a:t>que</a:t>
-            </a:r>
-            <a:r>
-              <a:rPr lang="de-DE" dirty="0">
+              <a:t>Isso garante que </a:t>
+            </a:r>
+            <a:r>
+              <a:rPr lang="pt-BR" u="sng" dirty="0">
                 <a:solidFill>
-                  <a:srgbClr val="FFFFFF"/>
+                  <a:schemeClr val="bg1"/>
                 </a:solidFill>
-                <a:ea typeface="+mn-lt"/>
-                <a:cs typeface="+mn-lt"/>
-              </a:rPr>
-              <a:t> </a:t>
-            </a:r>
-            <a:r>
-              <a:rPr lang="de-DE" dirty="0" err="1">
-                <a:solidFill>
-                  <a:srgbClr val="FFFFFF"/>
-                </a:solidFill>
-                <a:ea typeface="+mn-lt"/>
-                <a:cs typeface="+mn-lt"/>
-              </a:rPr>
-              <a:t>os</a:t>
-            </a:r>
-            <a:r>
-              <a:rPr lang="de-DE" dirty="0">
-                <a:solidFill>
-                  <a:srgbClr val="FFFFFF"/>
-                </a:solidFill>
-                <a:ea typeface="+mn-lt"/>
-                <a:cs typeface="+mn-lt"/>
-              </a:rPr>
-              <a:t> </a:t>
-            </a:r>
-            <a:r>
-              <a:rPr lang="de-DE" dirty="0" err="1">
-                <a:solidFill>
-                  <a:srgbClr val="FFFFFF"/>
-                </a:solidFill>
-                <a:ea typeface="+mn-lt"/>
-                <a:cs typeface="+mn-lt"/>
-              </a:rPr>
-              <a:t>defeitos</a:t>
-            </a:r>
-            <a:r>
-              <a:rPr lang="de-DE" dirty="0">
-                <a:solidFill>
-                  <a:srgbClr val="FFFFFF"/>
-                </a:solidFill>
-                <a:ea typeface="+mn-lt"/>
-                <a:cs typeface="+mn-lt"/>
-              </a:rPr>
-              <a:t> </a:t>
-            </a:r>
-            <a:r>
-              <a:rPr lang="de-DE" dirty="0" err="1">
-                <a:solidFill>
-                  <a:srgbClr val="FFFFFF"/>
-                </a:solidFill>
-                <a:ea typeface="+mn-lt"/>
-                <a:cs typeface="+mn-lt"/>
-              </a:rPr>
-              <a:t>sejam</a:t>
-            </a:r>
-            <a:r>
-              <a:rPr lang="de-DE" dirty="0">
-                <a:solidFill>
-                  <a:srgbClr val="FFFFFF"/>
-                </a:solidFill>
-                <a:ea typeface="+mn-lt"/>
-                <a:cs typeface="+mn-lt"/>
-              </a:rPr>
-              <a:t> </a:t>
-            </a:r>
-            <a:r>
-              <a:rPr lang="de-DE" dirty="0" err="1">
-                <a:solidFill>
-                  <a:srgbClr val="FFFFFF"/>
-                </a:solidFill>
-                <a:ea typeface="+mn-lt"/>
-                <a:cs typeface="+mn-lt"/>
-              </a:rPr>
-              <a:t>corrigidos</a:t>
-            </a:r>
-            <a:r>
-              <a:rPr lang="de-DE" dirty="0">
-                <a:solidFill>
-                  <a:srgbClr val="FFFFFF"/>
-                </a:solidFill>
-                <a:ea typeface="+mn-lt"/>
-                <a:cs typeface="+mn-lt"/>
-              </a:rPr>
-              <a:t>, </a:t>
-            </a:r>
-            <a:r>
-              <a:rPr lang="de-DE" dirty="0" err="1">
-                <a:solidFill>
-                  <a:srgbClr val="FFFFFF"/>
-                </a:solidFill>
-                <a:ea typeface="+mn-lt"/>
-                <a:cs typeface="+mn-lt"/>
-              </a:rPr>
-              <a:t>reteste</a:t>
-            </a:r>
-            <a:r>
-              <a:rPr lang="de-DE" dirty="0">
-                <a:solidFill>
-                  <a:srgbClr val="FFFFFF"/>
-                </a:solidFill>
-                <a:ea typeface="+mn-lt"/>
-                <a:cs typeface="+mn-lt"/>
-              </a:rPr>
-              <a:t> a </a:t>
-            </a:r>
-            <a:r>
-              <a:rPr lang="de-DE" dirty="0" err="1">
-                <a:solidFill>
-                  <a:srgbClr val="FFFFFF"/>
-                </a:solidFill>
-                <a:ea typeface="+mn-lt"/>
-                <a:cs typeface="+mn-lt"/>
-              </a:rPr>
-              <a:t>funcionalidade</a:t>
-            </a:r>
-            <a:r>
-              <a:rPr lang="de-DE" dirty="0">
-                <a:solidFill>
-                  <a:srgbClr val="FFFFFF"/>
-                </a:solidFill>
-                <a:ea typeface="+mn-lt"/>
-                <a:cs typeface="+mn-lt"/>
-              </a:rPr>
-              <a:t> </a:t>
-            </a:r>
-            <a:r>
-              <a:rPr lang="de-DE" dirty="0" err="1">
-                <a:solidFill>
-                  <a:srgbClr val="FFFFFF"/>
-                </a:solidFill>
-                <a:ea typeface="+mn-lt"/>
-                <a:cs typeface="+mn-lt"/>
-              </a:rPr>
-              <a:t>para</a:t>
-            </a:r>
-            <a:r>
-              <a:rPr lang="de-DE" dirty="0">
-                <a:solidFill>
-                  <a:srgbClr val="FFFFFF"/>
-                </a:solidFill>
-                <a:ea typeface="+mn-lt"/>
-                <a:cs typeface="+mn-lt"/>
-              </a:rPr>
-              <a:t> </a:t>
-            </a:r>
-            <a:r>
-              <a:rPr lang="de-DE" dirty="0" err="1">
-                <a:solidFill>
-                  <a:srgbClr val="FFFFFF"/>
-                </a:solidFill>
-                <a:ea typeface="+mn-lt"/>
-                <a:cs typeface="+mn-lt"/>
-              </a:rPr>
-              <a:t>verificar</a:t>
-            </a:r>
-            <a:r>
-              <a:rPr lang="de-DE" dirty="0">
-                <a:solidFill>
-                  <a:srgbClr val="FFFFFF"/>
-                </a:solidFill>
-                <a:ea typeface="+mn-lt"/>
-                <a:cs typeface="+mn-lt"/>
-              </a:rPr>
-              <a:t> a </a:t>
-            </a:r>
-            <a:r>
-              <a:rPr lang="de-DE" dirty="0" err="1">
-                <a:solidFill>
-                  <a:srgbClr val="FFFFFF"/>
-                </a:solidFill>
-                <a:ea typeface="+mn-lt"/>
-                <a:cs typeface="+mn-lt"/>
-              </a:rPr>
-              <a:t>resolução</a:t>
-            </a:r>
-            <a:r>
-              <a:rPr lang="de-DE" dirty="0">
-                <a:solidFill>
-                  <a:srgbClr val="FFFFFF"/>
-                </a:solidFill>
-                <a:ea typeface="+mn-lt"/>
-                <a:cs typeface="+mn-lt"/>
-              </a:rPr>
-              <a:t>. </a:t>
-            </a:r>
-            <a:r>
-              <a:rPr lang="de-DE" dirty="0" err="1">
-                <a:solidFill>
-                  <a:srgbClr val="FFFFFF"/>
-                </a:solidFill>
-                <a:ea typeface="+mn-lt"/>
-                <a:cs typeface="+mn-lt"/>
-              </a:rPr>
-              <a:t>Além</a:t>
-            </a:r>
-            <a:r>
-              <a:rPr lang="de-DE" dirty="0">
-                <a:solidFill>
-                  <a:srgbClr val="FFFFFF"/>
-                </a:solidFill>
-                <a:ea typeface="+mn-lt"/>
-                <a:cs typeface="+mn-lt"/>
-              </a:rPr>
-              <a:t> </a:t>
-            </a:r>
-            <a:r>
-              <a:rPr lang="de-DE" dirty="0" err="1">
-                <a:solidFill>
-                  <a:srgbClr val="FFFFFF"/>
-                </a:solidFill>
-                <a:ea typeface="+mn-lt"/>
-                <a:cs typeface="+mn-lt"/>
-              </a:rPr>
-              <a:t>disso</a:t>
-            </a:r>
-            <a:r>
-              <a:rPr lang="de-DE" dirty="0">
-                <a:solidFill>
-                  <a:srgbClr val="FFFFFF"/>
-                </a:solidFill>
-                <a:ea typeface="+mn-lt"/>
-                <a:cs typeface="+mn-lt"/>
-              </a:rPr>
-              <a:t>, </a:t>
-            </a:r>
-            <a:r>
-              <a:rPr lang="de-DE" dirty="0" err="1">
-                <a:solidFill>
-                  <a:srgbClr val="FFFFFF"/>
-                </a:solidFill>
-                <a:ea typeface="+mn-lt"/>
-                <a:cs typeface="+mn-lt"/>
-              </a:rPr>
-              <a:t>realize</a:t>
-            </a:r>
-            <a:r>
-              <a:rPr lang="de-DE" dirty="0">
-                <a:solidFill>
-                  <a:srgbClr val="FFFFFF"/>
-                </a:solidFill>
-                <a:ea typeface="+mn-lt"/>
-                <a:cs typeface="+mn-lt"/>
-              </a:rPr>
-              <a:t> o teste de </a:t>
-            </a:r>
-            <a:r>
-              <a:rPr lang="de-DE" dirty="0" err="1">
-                <a:solidFill>
-                  <a:srgbClr val="FFFFFF"/>
-                </a:solidFill>
-                <a:ea typeface="+mn-lt"/>
-                <a:cs typeface="+mn-lt"/>
-              </a:rPr>
-              <a:t>regressão</a:t>
-            </a:r>
-            <a:r>
-              <a:rPr lang="de-DE" dirty="0">
-                <a:solidFill>
-                  <a:srgbClr val="FFFFFF"/>
-                </a:solidFill>
-                <a:ea typeface="+mn-lt"/>
-                <a:cs typeface="+mn-lt"/>
-              </a:rPr>
-              <a:t> </a:t>
-            </a:r>
-            <a:r>
-              <a:rPr lang="de-DE" dirty="0" err="1">
-                <a:solidFill>
-                  <a:srgbClr val="FFFFFF"/>
-                </a:solidFill>
-                <a:ea typeface="+mn-lt"/>
-                <a:cs typeface="+mn-lt"/>
-              </a:rPr>
-              <a:t>para</a:t>
-            </a:r>
-            <a:r>
-              <a:rPr lang="de-DE" dirty="0">
-                <a:solidFill>
-                  <a:srgbClr val="FFFFFF"/>
-                </a:solidFill>
-                <a:ea typeface="+mn-lt"/>
-                <a:cs typeface="+mn-lt"/>
-              </a:rPr>
-              <a:t> </a:t>
-            </a:r>
-            <a:r>
-              <a:rPr lang="de-DE" dirty="0" err="1">
-                <a:solidFill>
-                  <a:srgbClr val="FFFFFF"/>
-                </a:solidFill>
-                <a:ea typeface="+mn-lt"/>
-                <a:cs typeface="+mn-lt"/>
-              </a:rPr>
-              <a:t>garantir</a:t>
-            </a:r>
-            <a:r>
-              <a:rPr lang="de-DE" dirty="0">
-                <a:solidFill>
-                  <a:srgbClr val="FFFFFF"/>
-                </a:solidFill>
-                <a:ea typeface="+mn-lt"/>
-                <a:cs typeface="+mn-lt"/>
-              </a:rPr>
-              <a:t> </a:t>
-            </a:r>
-            <a:r>
-              <a:rPr lang="de-DE" dirty="0" err="1">
-                <a:solidFill>
-                  <a:srgbClr val="FFFFFF"/>
-                </a:solidFill>
-                <a:ea typeface="+mn-lt"/>
-                <a:cs typeface="+mn-lt"/>
-              </a:rPr>
-              <a:t>que</a:t>
-            </a:r>
-            <a:r>
-              <a:rPr lang="de-DE" dirty="0">
-                <a:solidFill>
-                  <a:srgbClr val="FFFFFF"/>
-                </a:solidFill>
-                <a:ea typeface="+mn-lt"/>
-                <a:cs typeface="+mn-lt"/>
-              </a:rPr>
-              <a:t> </a:t>
-            </a:r>
-            <a:r>
-              <a:rPr lang="de-DE" dirty="0" err="1">
-                <a:solidFill>
-                  <a:srgbClr val="FFFFFF"/>
-                </a:solidFill>
-                <a:ea typeface="+mn-lt"/>
-                <a:cs typeface="+mn-lt"/>
-              </a:rPr>
-              <a:t>as</a:t>
-            </a:r>
-            <a:r>
-              <a:rPr lang="de-DE" dirty="0">
-                <a:solidFill>
-                  <a:srgbClr val="FFFFFF"/>
-                </a:solidFill>
-                <a:ea typeface="+mn-lt"/>
-                <a:cs typeface="+mn-lt"/>
-              </a:rPr>
-              <a:t> </a:t>
-            </a:r>
-            <a:r>
-              <a:rPr lang="de-DE" dirty="0" err="1">
-                <a:solidFill>
-                  <a:srgbClr val="FFFFFF"/>
-                </a:solidFill>
-                <a:ea typeface="+mn-lt"/>
-                <a:cs typeface="+mn-lt"/>
               </a:rPr>
               <a:t>correções</a:t>
             </a:r>
             <a:r>
-              <a:rPr lang="de-DE" dirty="0">
+              <a:rPr lang="pt-BR" dirty="0">
                 <a:solidFill>
-                  <a:srgbClr val="FFFFFF"/>
+                  <a:schemeClr val="bg1"/>
                 </a:solidFill>
-                <a:ea typeface="+mn-lt"/>
-                <a:cs typeface="+mn-lt"/>
               </a:rPr>
-              <a:t> </a:t>
-            </a:r>
-            <a:r>
-              <a:rPr lang="de-DE" dirty="0" err="1">
-                <a:solidFill>
-                  <a:srgbClr val="FFFFFF"/>
-                </a:solidFill>
-                <a:ea typeface="+mn-lt"/>
-                <a:cs typeface="+mn-lt"/>
-              </a:rPr>
-              <a:t>não</a:t>
-            </a:r>
-            <a:r>
-              <a:rPr lang="de-DE" dirty="0">
-                <a:solidFill>
-                  <a:srgbClr val="FFFFFF"/>
-                </a:solidFill>
-                <a:ea typeface="+mn-lt"/>
-                <a:cs typeface="+mn-lt"/>
-              </a:rPr>
-              <a:t> </a:t>
-            </a:r>
-            <a:r>
-              <a:rPr lang="de-DE" dirty="0" err="1">
-                <a:solidFill>
-                  <a:srgbClr val="FFFFFF"/>
-                </a:solidFill>
-                <a:ea typeface="+mn-lt"/>
-                <a:cs typeface="+mn-lt"/>
-              </a:rPr>
-              <a:t>introduziram</a:t>
-            </a:r>
-            <a:r>
-              <a:rPr lang="de-DE" dirty="0">
-                <a:solidFill>
-                  <a:srgbClr val="FFFFFF"/>
-                </a:solidFill>
-                <a:ea typeface="+mn-lt"/>
-                <a:cs typeface="+mn-lt"/>
-              </a:rPr>
-              <a:t> </a:t>
-            </a:r>
-            <a:r>
-              <a:rPr lang="de-DE" dirty="0" err="1">
-                <a:solidFill>
-                  <a:srgbClr val="FFFFFF"/>
-                </a:solidFill>
-                <a:ea typeface="+mn-lt"/>
-                <a:cs typeface="+mn-lt"/>
-              </a:rPr>
-              <a:t>novos</a:t>
-            </a:r>
-            <a:r>
-              <a:rPr lang="de-DE" dirty="0">
-                <a:solidFill>
-                  <a:srgbClr val="FFFFFF"/>
-                </a:solidFill>
-                <a:ea typeface="+mn-lt"/>
-                <a:cs typeface="+mn-lt"/>
-              </a:rPr>
-              <a:t> </a:t>
-            </a:r>
-            <a:r>
-              <a:rPr lang="de-DE" dirty="0" err="1">
-                <a:solidFill>
-                  <a:srgbClr val="FFFFFF"/>
-                </a:solidFill>
-                <a:ea typeface="+mn-lt"/>
-                <a:cs typeface="+mn-lt"/>
-              </a:rPr>
-              <a:t>problemas</a:t>
-            </a:r>
-            <a:r>
-              <a:rPr lang="de-DE" dirty="0">
-                <a:solidFill>
-                  <a:srgbClr val="FFFFFF"/>
-                </a:solidFill>
-                <a:ea typeface="+mn-lt"/>
-                <a:cs typeface="+mn-lt"/>
-              </a:rPr>
-              <a:t> </a:t>
-            </a:r>
-            <a:r>
-              <a:rPr lang="de-DE" dirty="0" err="1">
-                <a:solidFill>
-                  <a:srgbClr val="FFFFFF"/>
-                </a:solidFill>
-                <a:ea typeface="+mn-lt"/>
-                <a:cs typeface="+mn-lt"/>
-              </a:rPr>
-              <a:t>ou</a:t>
-            </a:r>
-            <a:r>
-              <a:rPr lang="de-DE" dirty="0">
-                <a:solidFill>
-                  <a:srgbClr val="FFFFFF"/>
-                </a:solidFill>
-                <a:ea typeface="+mn-lt"/>
-                <a:cs typeface="+mn-lt"/>
-              </a:rPr>
-              <a:t> </a:t>
-            </a:r>
-            <a:r>
-              <a:rPr lang="de-DE" dirty="0" err="1">
-                <a:solidFill>
-                  <a:srgbClr val="FFFFFF"/>
-                </a:solidFill>
-                <a:ea typeface="+mn-lt"/>
-                <a:cs typeface="+mn-lt"/>
-              </a:rPr>
-              <a:t>afetaram</a:t>
-            </a:r>
-            <a:r>
-              <a:rPr lang="de-DE" dirty="0">
-                <a:solidFill>
-                  <a:srgbClr val="FFFFFF"/>
-                </a:solidFill>
-                <a:ea typeface="+mn-lt"/>
-                <a:cs typeface="+mn-lt"/>
-              </a:rPr>
-              <a:t> a </a:t>
-            </a:r>
-            <a:r>
-              <a:rPr lang="de-DE" dirty="0" err="1">
-                <a:solidFill>
-                  <a:srgbClr val="FFFFFF"/>
-                </a:solidFill>
-                <a:ea typeface="+mn-lt"/>
-                <a:cs typeface="+mn-lt"/>
-              </a:rPr>
-              <a:t>funcionalidade</a:t>
-            </a:r>
-            <a:r>
-              <a:rPr lang="de-DE" dirty="0">
-                <a:solidFill>
-                  <a:srgbClr val="FFFFFF"/>
-                </a:solidFill>
-                <a:ea typeface="+mn-lt"/>
-                <a:cs typeface="+mn-lt"/>
-              </a:rPr>
-              <a:t> existente.</a:t>
-            </a:r>
-            <a:endParaRPr lang="de-DE" dirty="0"/>
+              <a:t> não criem novos problemas no sistema.</a:t>
+            </a:r>
+            <a:endParaRPr lang="de-DE" dirty="0">
+              <a:solidFill>
+                <a:schemeClr val="bg1"/>
+              </a:solidFill>
+            </a:endParaRPr>
           </a:p>
         </p:txBody>
       </p:sp>
